--- a/docs/diagrams/LogicSequenceDiagrams.pptx
+++ b/docs/diagrams/LogicSequenceDiagrams.pptx
@@ -4364,8 +4364,8 @@
         </p:nvSpPr>
         <p:spPr>
           <a:xfrm>
-            <a:off x="2500797" y="2703584"/>
-            <a:ext cx="596101" cy="215444"/>
+            <a:off x="2142375" y="2669165"/>
+            <a:ext cx="1359764" cy="215444"/>
           </a:xfrm>
           <a:prstGeom prst="rect">
             <a:avLst/>
@@ -4390,9 +4390,10 @@
           </a:lstStyle>
           <a:p>
             <a:r>
-              <a:rPr lang="en-US" dirty="0"/>
-              <a:t>import</a:t>
-            </a:r>
+              <a:rPr lang="en-US" dirty="0" err="1"/>
+              <a:t>ImportCommand</a:t>
+            </a:r>
+            <a:endParaRPr lang="en-US" dirty="0"/>
           </a:p>
         </p:txBody>
       </p:sp>

--- a/docs/diagrams/LogicSequenceDiagrams.pptx
+++ b/docs/diagrams/LogicSequenceDiagrams.pptx
@@ -209,7 +209,7 @@
           <a:p>
             <a:fld id="{F5CC4B3F-88C1-4FFA-B1B6-F41C21DC6924}" type="datetimeFigureOut">
               <a:rPr lang="en-US" smtClean="0"/>
-              <a:t>3/30/19</a:t>
+              <a:t>4/14/19</a:t>
             </a:fld>
             <a:endParaRPr lang="en-US"/>
           </a:p>
@@ -655,7 +655,7 @@
           <a:p>
             <a:fld id="{78C97017-6FC3-485B-9764-EAC9E56C1D49}" type="datetimeFigureOut">
               <a:rPr lang="en-US" smtClean="0"/>
-              <a:t>3/30/19</a:t>
+              <a:t>4/14/19</a:t>
             </a:fld>
             <a:endParaRPr lang="en-US"/>
           </a:p>
@@ -823,7 +823,7 @@
           <a:p>
             <a:fld id="{78C97017-6FC3-485B-9764-EAC9E56C1D49}" type="datetimeFigureOut">
               <a:rPr lang="en-US" smtClean="0"/>
-              <a:t>3/30/19</a:t>
+              <a:t>4/14/19</a:t>
             </a:fld>
             <a:endParaRPr lang="en-US"/>
           </a:p>
@@ -1001,7 +1001,7 @@
           <a:p>
             <a:fld id="{78C97017-6FC3-485B-9764-EAC9E56C1D49}" type="datetimeFigureOut">
               <a:rPr lang="en-US" smtClean="0"/>
-              <a:t>3/30/19</a:t>
+              <a:t>4/14/19</a:t>
             </a:fld>
             <a:endParaRPr lang="en-US"/>
           </a:p>
@@ -1169,7 +1169,7 @@
           <a:p>
             <a:fld id="{78C97017-6FC3-485B-9764-EAC9E56C1D49}" type="datetimeFigureOut">
               <a:rPr lang="en-US" smtClean="0"/>
-              <a:t>3/30/19</a:t>
+              <a:t>4/14/19</a:t>
             </a:fld>
             <a:endParaRPr lang="en-US"/>
           </a:p>
@@ -1414,7 +1414,7 @@
           <a:p>
             <a:fld id="{78C97017-6FC3-485B-9764-EAC9E56C1D49}" type="datetimeFigureOut">
               <a:rPr lang="en-US" smtClean="0"/>
-              <a:t>3/30/19</a:t>
+              <a:t>4/14/19</a:t>
             </a:fld>
             <a:endParaRPr lang="en-US"/>
           </a:p>
@@ -1699,7 +1699,7 @@
           <a:p>
             <a:fld id="{78C97017-6FC3-485B-9764-EAC9E56C1D49}" type="datetimeFigureOut">
               <a:rPr lang="en-US" smtClean="0"/>
-              <a:t>3/30/19</a:t>
+              <a:t>4/14/19</a:t>
             </a:fld>
             <a:endParaRPr lang="en-US"/>
           </a:p>
@@ -2118,7 +2118,7 @@
           <a:p>
             <a:fld id="{78C97017-6FC3-485B-9764-EAC9E56C1D49}" type="datetimeFigureOut">
               <a:rPr lang="en-US" smtClean="0"/>
-              <a:t>3/30/19</a:t>
+              <a:t>4/14/19</a:t>
             </a:fld>
             <a:endParaRPr lang="en-US"/>
           </a:p>
@@ -2235,7 +2235,7 @@
           <a:p>
             <a:fld id="{78C97017-6FC3-485B-9764-EAC9E56C1D49}" type="datetimeFigureOut">
               <a:rPr lang="en-US" smtClean="0"/>
-              <a:t>3/30/19</a:t>
+              <a:t>4/14/19</a:t>
             </a:fld>
             <a:endParaRPr lang="en-US"/>
           </a:p>
@@ -2330,7 +2330,7 @@
           <a:p>
             <a:fld id="{78C97017-6FC3-485B-9764-EAC9E56C1D49}" type="datetimeFigureOut">
               <a:rPr lang="en-US" smtClean="0"/>
-              <a:t>3/30/19</a:t>
+              <a:t>4/14/19</a:t>
             </a:fld>
             <a:endParaRPr lang="en-US"/>
           </a:p>
@@ -2605,7 +2605,7 @@
           <a:p>
             <a:fld id="{78C97017-6FC3-485B-9764-EAC9E56C1D49}" type="datetimeFigureOut">
               <a:rPr lang="en-US" smtClean="0"/>
-              <a:t>3/30/19</a:t>
+              <a:t>4/14/19</a:t>
             </a:fld>
             <a:endParaRPr lang="en-US"/>
           </a:p>
@@ -2857,7 +2857,7 @@
           <a:p>
             <a:fld id="{78C97017-6FC3-485B-9764-EAC9E56C1D49}" type="datetimeFigureOut">
               <a:rPr lang="en-US" smtClean="0"/>
-              <a:t>3/30/19</a:t>
+              <a:t>4/14/19</a:t>
             </a:fld>
             <a:endParaRPr lang="en-US"/>
           </a:p>
@@ -3068,7 +3068,7 @@
           <a:p>
             <a:fld id="{78C97017-6FC3-485B-9764-EAC9E56C1D49}" type="datetimeFigureOut">
               <a:rPr lang="en-US" smtClean="0"/>
-              <a:t>3/30/19</a:t>
+              <a:t>4/14/19</a:t>
             </a:fld>
             <a:endParaRPr lang="en-US"/>
           </a:p>
@@ -3491,14 +3491,14 @@
             <a:r>
               <a:rPr lang="en-US" sz="1200" b="1" dirty="0">
                 <a:solidFill>
-                  <a:srgbClr val="0070C0"/>
+                  <a:schemeClr val="tx1"/>
                 </a:solidFill>
               </a:rPr>
               <a:t>Logic</a:t>
             </a:r>
             <a:endParaRPr lang="en-SG" sz="1200" b="1" dirty="0">
               <a:solidFill>
-                <a:srgbClr val="0070C0"/>
+                <a:schemeClr val="tx1"/>
               </a:solidFill>
             </a:endParaRPr>
           </a:p>
@@ -3945,8 +3945,8 @@
         </p:nvSpPr>
         <p:spPr>
           <a:xfrm>
-            <a:off x="406408" y="1355704"/>
-            <a:ext cx="1114338" cy="646331"/>
+            <a:off x="394534" y="1413410"/>
+            <a:ext cx="1072473" cy="646331"/>
           </a:xfrm>
           <a:prstGeom prst="rect">
             <a:avLst/>
@@ -4231,8 +4231,8 @@
         </p:nvSpPr>
         <p:spPr>
           <a:xfrm>
-            <a:off x="1691664" y="1008254"/>
-            <a:ext cx="2232373" cy="430887"/>
+            <a:off x="1680112" y="1056030"/>
+            <a:ext cx="2232373" cy="369332"/>
           </a:xfrm>
           <a:prstGeom prst="rect">
             <a:avLst/>
@@ -4258,19 +4258,19 @@
           <a:p>
             <a:pPr algn="ctr"/>
             <a:r>
-              <a:rPr lang="en-US" dirty="0" err="1"/>
+              <a:rPr lang="en-US" sz="1200" dirty="0" err="1"/>
               <a:t>parseCommand</a:t>
             </a:r>
             <a:r>
-              <a:rPr lang="en-US" dirty="0"/>
+              <a:rPr lang="en-US" sz="1200" dirty="0"/>
               <a:t>(“import C:\User\Pictures\</a:t>
             </a:r>
             <a:r>
-              <a:rPr lang="en-US" dirty="0" err="1"/>
+              <a:rPr lang="en-US" sz="1200" dirty="0" err="1"/>
               <a:t>image.png</a:t>
             </a:r>
             <a:r>
-              <a:rPr lang="en-US" dirty="0"/>
+              <a:rPr lang="en-US" sz="1200" dirty="0"/>
               <a:t>”)</a:t>
             </a:r>
           </a:p>
@@ -4364,8 +4364,8 @@
         </p:nvSpPr>
         <p:spPr>
           <a:xfrm>
-            <a:off x="2142375" y="2669165"/>
-            <a:ext cx="1359764" cy="215444"/>
+            <a:off x="2022950" y="2622679"/>
+            <a:ext cx="1658820" cy="215444"/>
           </a:xfrm>
           <a:prstGeom prst="rect">
             <a:avLst/>
@@ -4389,6 +4389,7 @@
             </a:lvl1pPr>
           </a:lstStyle>
           <a:p>
+            <a:pPr algn="ctr"/>
             <a:r>
               <a:rPr lang="en-US" dirty="0" err="1"/>
               <a:t>ImportCommand</a:t>
@@ -4796,8 +4797,8 @@
         </p:nvSpPr>
         <p:spPr>
           <a:xfrm>
-            <a:off x="4183772" y="2084070"/>
-            <a:ext cx="1180560" cy="646331"/>
+            <a:off x="4125093" y="2176794"/>
+            <a:ext cx="1257104" cy="553998"/>
           </a:xfrm>
           <a:prstGeom prst="rect">
             <a:avLst/>
@@ -4823,15 +4824,15 @@
           <a:p>
             <a:pPr algn="ctr"/>
             <a:r>
-              <a:rPr lang="en-US" dirty="0"/>
+              <a:rPr lang="en-US" sz="1200" dirty="0"/>
               <a:t>parse(“import C:\User\Pictures\</a:t>
             </a:r>
             <a:r>
-              <a:rPr lang="en-US" dirty="0" err="1"/>
+              <a:rPr lang="en-US" sz="1200" dirty="0" err="1"/>
               <a:t>image.png</a:t>
             </a:r>
             <a:r>
-              <a:rPr lang="en-US" dirty="0"/>
+              <a:rPr lang="en-US" sz="1200" dirty="0"/>
               <a:t>”)</a:t>
             </a:r>
           </a:p>
@@ -5924,14 +5925,14 @@
             <a:r>
               <a:rPr lang="en-US" sz="1200" b="1" dirty="0">
                 <a:solidFill>
-                  <a:srgbClr val="0070C0"/>
+                  <a:schemeClr val="tx1"/>
                 </a:solidFill>
               </a:rPr>
               <a:t>Logic</a:t>
             </a:r>
             <a:endParaRPr lang="en-SG" sz="1200" b="1" dirty="0">
               <a:solidFill>
-                <a:srgbClr val="0070C0"/>
+                <a:schemeClr val="tx1"/>
               </a:solidFill>
             </a:endParaRPr>
           </a:p>
@@ -7821,7 +7822,7 @@
         </p:nvSpPr>
         <p:spPr>
           <a:xfrm>
-            <a:off x="7704488" y="3113889"/>
+            <a:off x="7890470" y="3091362"/>
             <a:ext cx="1423782" cy="184666"/>
           </a:xfrm>
           <a:prstGeom prst="rect">
@@ -7846,6 +7847,7 @@
             </a:lvl1pPr>
           </a:lstStyle>
           <a:p>
+            <a:pPr algn="ctr"/>
             <a:r>
               <a:rPr lang="en-US" sz="1200" dirty="0" err="1">
                 <a:solidFill>
@@ -8114,8 +8116,8 @@
         </p:nvSpPr>
         <p:spPr>
           <a:xfrm>
-            <a:off x="7943497" y="4578422"/>
-            <a:ext cx="1346355" cy="184666"/>
+            <a:off x="7567954" y="4606378"/>
+            <a:ext cx="2177475" cy="184666"/>
           </a:xfrm>
           <a:prstGeom prst="rect">
             <a:avLst/>
@@ -8220,8 +8222,8 @@
         </p:nvSpPr>
         <p:spPr>
           <a:xfrm>
-            <a:off x="7978435" y="3645490"/>
-            <a:ext cx="1346355" cy="184666"/>
+            <a:off x="7818478" y="3623561"/>
+            <a:ext cx="1807888" cy="184666"/>
           </a:xfrm>
           <a:prstGeom prst="rect">
             <a:avLst/>

--- a/docs/diagrams/LogicSequenceDiagrams.pptx
+++ b/docs/diagrams/LogicSequenceDiagrams.pptx
@@ -3666,7 +3666,7 @@
         <p:spPr>
           <a:xfrm>
             <a:off x="3200400" y="533400"/>
-            <a:ext cx="1598789" cy="467684"/>
+            <a:ext cx="1828800" cy="467684"/>
           </a:xfrm>
           <a:prstGeom prst="rect">
             <a:avLst/>
@@ -5176,50 +5176,6 @@
       </p:sp>
       <p:cxnSp>
         <p:nvCxnSpPr>
-          <p:cNvPr id="88" name="Straight Arrow Connector 87">
-            <a:extLst>
-              <a:ext uri="{FF2B5EF4-FFF2-40B4-BE49-F238E27FC236}">
-                <a16:creationId xmlns:a16="http://schemas.microsoft.com/office/drawing/2014/main" id="{09DD6F1D-6A5F-5B4C-B60F-5D26F0050EE1}"/>
-              </a:ext>
-            </a:extLst>
-          </p:cNvPr>
-          <p:cNvCxnSpPr>
-            <a:cxnSpLocks/>
-          </p:cNvCxnSpPr>
-          <p:nvPr/>
-        </p:nvCxnSpPr>
-        <p:spPr>
-          <a:xfrm flipV="1">
-            <a:off x="7622625" y="3301395"/>
-            <a:ext cx="1927317" cy="7993"/>
-          </a:xfrm>
-          <a:prstGeom prst="straightConnector1">
-            <a:avLst/>
-          </a:prstGeom>
-          <a:ln w="19050">
-            <a:solidFill>
-              <a:srgbClr val="0070C0"/>
-            </a:solidFill>
-            <a:tailEnd type="arrow"/>
-          </a:ln>
-        </p:spPr>
-        <p:style>
-          <a:lnRef idx="1">
-            <a:schemeClr val="accent1"/>
-          </a:lnRef>
-          <a:fillRef idx="0">
-            <a:schemeClr val="accent1"/>
-          </a:fillRef>
-          <a:effectRef idx="0">
-            <a:schemeClr val="accent1"/>
-          </a:effectRef>
-          <a:fontRef idx="minor">
-            <a:schemeClr val="tx1"/>
-          </a:fontRef>
-        </p:style>
-      </p:cxnSp>
-      <p:cxnSp>
-        <p:nvCxnSpPr>
           <p:cNvPr id="96" name="Straight Connector 95">
             <a:extLst>
               <a:ext uri="{FF2B5EF4-FFF2-40B4-BE49-F238E27FC236}">
@@ -5318,169 +5274,6 @@
           </a:p>
         </p:txBody>
       </p:sp>
-      <p:sp>
-        <p:nvSpPr>
-          <p:cNvPr id="98" name="TextBox 97">
-            <a:extLst>
-              <a:ext uri="{FF2B5EF4-FFF2-40B4-BE49-F238E27FC236}">
-                <a16:creationId xmlns:a16="http://schemas.microsoft.com/office/drawing/2014/main" id="{B655EC15-7B42-BF42-9681-B77105775DC5}"/>
-              </a:ext>
-            </a:extLst>
-          </p:cNvPr>
-          <p:cNvSpPr txBox="1"/>
-          <p:nvPr/>
-        </p:nvSpPr>
-        <p:spPr>
-          <a:xfrm>
-            <a:off x="7808026" y="3094047"/>
-            <a:ext cx="1298078" cy="184666"/>
-          </a:xfrm>
-          <a:prstGeom prst="rect">
-            <a:avLst/>
-          </a:prstGeom>
-          <a:noFill/>
-        </p:spPr>
-        <p:txBody>
-          <a:bodyPr wrap="square" lIns="0" tIns="0" rIns="0" bIns="0" rtlCol="0">
-            <a:spAutoFit/>
-          </a:bodyPr>
-          <a:lstStyle>
-            <a:defPPr>
-              <a:defRPr lang="en-US"/>
-            </a:defPPr>
-            <a:lvl1pPr algn="r">
-              <a:defRPr sz="1400">
-                <a:solidFill>
-                  <a:srgbClr val="0070C0"/>
-                </a:solidFill>
-              </a:defRPr>
-            </a:lvl1pPr>
-          </a:lstStyle>
-          <a:p>
-            <a:r>
-              <a:rPr lang="en-US" sz="1200" dirty="0" err="1">
-                <a:solidFill>
-                  <a:schemeClr val="accent4">
-                    <a:lumMod val="75000"/>
-                  </a:schemeClr>
-                </a:solidFill>
-              </a:rPr>
-              <a:t>saveImage</a:t>
-            </a:r>
-            <a:r>
-              <a:rPr lang="en-US" sz="1200" dirty="0">
-                <a:solidFill>
-                  <a:srgbClr val="7030A0"/>
-                </a:solidFill>
-              </a:rPr>
-              <a:t>(String)</a:t>
-            </a:r>
-            <a:endParaRPr lang="en-US" sz="1200" dirty="0"/>
-          </a:p>
-        </p:txBody>
-      </p:sp>
-      <p:cxnSp>
-        <p:nvCxnSpPr>
-          <p:cNvPr id="100" name="Straight Arrow Connector 99">
-            <a:extLst>
-              <a:ext uri="{FF2B5EF4-FFF2-40B4-BE49-F238E27FC236}">
-                <a16:creationId xmlns:a16="http://schemas.microsoft.com/office/drawing/2014/main" id="{8602BB78-696A-0A45-9C93-CD44F0A8614F}"/>
-              </a:ext>
-            </a:extLst>
-          </p:cNvPr>
-          <p:cNvCxnSpPr>
-            <a:cxnSpLocks/>
-            <a:endCxn id="97" idx="2"/>
-          </p:cNvCxnSpPr>
-          <p:nvPr/>
-        </p:nvCxnSpPr>
-        <p:spPr>
-          <a:xfrm flipV="1">
-            <a:off x="7685141" y="3570150"/>
-            <a:ext cx="1986337" cy="21793"/>
-          </a:xfrm>
-          <a:prstGeom prst="straightConnector1">
-            <a:avLst/>
-          </a:prstGeom>
-          <a:ln w="19050">
-            <a:solidFill>
-              <a:schemeClr val="accent6">
-                <a:lumMod val="75000"/>
-              </a:schemeClr>
-            </a:solidFill>
-            <a:prstDash val="sysDash"/>
-            <a:headEnd type="arrow" w="med" len="med"/>
-            <a:tailEnd type="none" w="med" len="med"/>
-          </a:ln>
-        </p:spPr>
-        <p:style>
-          <a:lnRef idx="1">
-            <a:schemeClr val="accent1"/>
-          </a:lnRef>
-          <a:fillRef idx="0">
-            <a:schemeClr val="accent1"/>
-          </a:fillRef>
-          <a:effectRef idx="0">
-            <a:schemeClr val="accent1"/>
-          </a:effectRef>
-          <a:fontRef idx="minor">
-            <a:schemeClr val="tx1"/>
-          </a:fontRef>
-        </p:style>
-      </p:cxnSp>
-      <p:sp>
-        <p:nvSpPr>
-          <p:cNvPr id="101" name="Rectangle 100">
-            <a:extLst>
-              <a:ext uri="{FF2B5EF4-FFF2-40B4-BE49-F238E27FC236}">
-                <a16:creationId xmlns:a16="http://schemas.microsoft.com/office/drawing/2014/main" id="{D80DEC96-C446-364C-A918-331AE1BF0172}"/>
-              </a:ext>
-            </a:extLst>
-          </p:cNvPr>
-          <p:cNvSpPr/>
-          <p:nvPr/>
-        </p:nvSpPr>
-        <p:spPr>
-          <a:xfrm>
-            <a:off x="9582327" y="3832992"/>
-            <a:ext cx="178302" cy="298586"/>
-          </a:xfrm>
-          <a:prstGeom prst="rect">
-            <a:avLst/>
-          </a:prstGeom>
-          <a:solidFill>
-            <a:schemeClr val="accent6">
-              <a:lumMod val="75000"/>
-            </a:schemeClr>
-          </a:solidFill>
-          <a:ln>
-            <a:noFill/>
-          </a:ln>
-          <a:effectLst/>
-        </p:spPr>
-        <p:style>
-          <a:lnRef idx="1">
-            <a:schemeClr val="accent3"/>
-          </a:lnRef>
-          <a:fillRef idx="2">
-            <a:schemeClr val="accent3"/>
-          </a:fillRef>
-          <a:effectRef idx="1">
-            <a:schemeClr val="accent3"/>
-          </a:effectRef>
-          <a:fontRef idx="minor">
-            <a:schemeClr val="dk1"/>
-          </a:fontRef>
-        </p:style>
-        <p:txBody>
-          <a:bodyPr rtlCol="0" anchor="ctr"/>
-          <a:lstStyle/>
-          <a:p>
-            <a:pPr algn="ctr"/>
-            <a:endParaRPr lang="en-SG" sz="1400" dirty="0"/>
-          </a:p>
-        </p:txBody>
-      </p:sp>
       <p:cxnSp>
         <p:nvCxnSpPr>
           <p:cNvPr id="102" name="Straight Arrow Connector 101">
@@ -5497,7 +5290,7 @@
         </p:nvCxnSpPr>
         <p:spPr>
           <a:xfrm flipV="1">
-            <a:off x="7691824" y="3871002"/>
+            <a:off x="7670319" y="3313650"/>
             <a:ext cx="1909376" cy="15199"/>
           </a:xfrm>
           <a:prstGeom prst="straightConnector1">
@@ -5536,13 +5329,12 @@
           </p:cNvPr>
           <p:cNvCxnSpPr>
             <a:cxnSpLocks/>
-            <a:endCxn id="101" idx="2"/>
           </p:cNvCxnSpPr>
           <p:nvPr/>
         </p:nvCxnSpPr>
         <p:spPr>
           <a:xfrm>
-            <a:off x="7691824" y="4131578"/>
+            <a:off x="7691824" y="3570150"/>
             <a:ext cx="1979654" cy="0"/>
           </a:xfrm>
           <a:prstGeom prst="straightConnector1">
@@ -5588,7 +5380,7 @@
         </p:nvSpPr>
         <p:spPr>
           <a:xfrm>
-            <a:off x="7741525" y="3677893"/>
+            <a:off x="7720020" y="3120541"/>
             <a:ext cx="1298078" cy="184666"/>
           </a:xfrm>
           <a:prstGeom prst="rect">
@@ -5616,9 +5408,7 @@
             <a:r>
               <a:rPr lang="en-US" sz="1200" dirty="0" err="1">
                 <a:solidFill>
-                  <a:schemeClr val="accent4">
-                    <a:lumMod val="75000"/>
-                  </a:schemeClr>
+                  <a:schemeClr val="accent1"/>
                 </a:solidFill>
               </a:rPr>
               <a:t>refreshAlbum</a:t>
@@ -5626,12 +5416,11 @@
             <a:r>
               <a:rPr lang="en-US" sz="1200" dirty="0">
                 <a:solidFill>
-                  <a:srgbClr val="7030A0"/>
+                  <a:schemeClr val="accent1"/>
                 </a:solidFill>
               </a:rPr>
               <a:t>()</a:t>
             </a:r>
-            <a:endParaRPr lang="en-US" sz="1200" dirty="0"/>
           </a:p>
         </p:txBody>
       </p:sp>
@@ -5885,8 +5674,8 @@
         </p:nvSpPr>
         <p:spPr>
           <a:xfrm>
-            <a:off x="228600" y="267463"/>
-            <a:ext cx="8020254" cy="6083850"/>
+            <a:off x="228600" y="267462"/>
+            <a:ext cx="8020254" cy="6819138"/>
           </a:xfrm>
           <a:prstGeom prst="roundRect">
             <a:avLst>
@@ -6016,7 +5805,7 @@
         <p:spPr>
           <a:xfrm>
             <a:off x="1560169" y="1017808"/>
-            <a:ext cx="14110" cy="5333505"/>
+            <a:ext cx="0" cy="6068792"/>
           </a:xfrm>
           <a:prstGeom prst="line">
             <a:avLst/>
@@ -6053,7 +5842,7 @@
         <p:spPr>
           <a:xfrm>
             <a:off x="1479238" y="1368501"/>
-            <a:ext cx="197370" cy="4797347"/>
+            <a:ext cx="213120" cy="5344021"/>
           </a:xfrm>
           <a:prstGeom prst="rect">
             <a:avLst/>
@@ -6100,7 +5889,7 @@
         <p:spPr>
           <a:xfrm>
             <a:off x="3200400" y="533400"/>
-            <a:ext cx="1598789" cy="467684"/>
+            <a:ext cx="1828800" cy="467684"/>
           </a:xfrm>
           <a:prstGeom prst="rect">
             <a:avLst/>
@@ -6580,7 +6369,7 @@
         </p:nvCxnSpPr>
         <p:spPr>
           <a:xfrm>
-            <a:off x="324695" y="6165848"/>
+            <a:off x="234327" y="6693958"/>
             <a:ext cx="1196051" cy="0"/>
           </a:xfrm>
           <a:prstGeom prst="straightConnector1">
@@ -6619,7 +6408,7 @@
         <p:spPr>
           <a:xfrm>
             <a:off x="7486553" y="3306728"/>
-            <a:ext cx="162802" cy="2781228"/>
+            <a:ext cx="168002" cy="3398872"/>
           </a:xfrm>
           <a:prstGeom prst="rect">
             <a:avLst/>
@@ -6710,7 +6499,7 @@
         </p:nvSpPr>
         <p:spPr>
           <a:xfrm>
-            <a:off x="4084449" y="4999788"/>
+            <a:off x="4253117" y="6304123"/>
             <a:ext cx="621216" cy="215444"/>
           </a:xfrm>
           <a:prstGeom prst="rect">
@@ -6750,7 +6539,7 @@
         </p:nvSpPr>
         <p:spPr>
           <a:xfrm>
-            <a:off x="459597" y="5935415"/>
+            <a:off x="394773" y="6416338"/>
             <a:ext cx="762000" cy="215444"/>
           </a:xfrm>
           <a:prstGeom prst="rect">
@@ -7000,7 +6789,7 @@
         </p:nvCxnSpPr>
         <p:spPr>
           <a:xfrm flipV="1">
-            <a:off x="1673412" y="6079913"/>
+            <a:off x="1692537" y="6552125"/>
             <a:ext cx="5818069" cy="16087"/>
           </a:xfrm>
           <a:prstGeom prst="straightConnector1">
@@ -7359,7 +7148,7 @@
         <p:spPr>
           <a:xfrm>
             <a:off x="7555399" y="2091391"/>
-            <a:ext cx="2146" cy="4144799"/>
+            <a:ext cx="0" cy="4766608"/>
           </a:xfrm>
           <a:prstGeom prst="line">
             <a:avLst/>
@@ -7612,7 +7401,7 @@
         </p:nvCxnSpPr>
         <p:spPr>
           <a:xfrm>
-            <a:off x="7662959" y="5215232"/>
+            <a:off x="7662959" y="5715000"/>
             <a:ext cx="280538" cy="0"/>
           </a:xfrm>
           <a:prstGeom prst="straightConnector1">
@@ -7654,7 +7443,7 @@
         </p:nvSpPr>
         <p:spPr>
           <a:xfrm>
-            <a:off x="7951901" y="5217820"/>
+            <a:off x="7951901" y="5717588"/>
             <a:ext cx="1579824" cy="580894"/>
           </a:xfrm>
           <a:prstGeom prst="rect">
@@ -7719,7 +7508,7 @@
         </p:nvSpPr>
         <p:spPr>
           <a:xfrm>
-            <a:off x="8680603" y="5807325"/>
+            <a:off x="8680603" y="6307093"/>
             <a:ext cx="155424" cy="204045"/>
           </a:xfrm>
           <a:prstGeom prst="rect">
@@ -7778,7 +7567,7 @@
         </p:nvCxnSpPr>
         <p:spPr>
           <a:xfrm>
-            <a:off x="7645172" y="5981903"/>
+            <a:off x="7645172" y="6481671"/>
             <a:ext cx="1105971" cy="1"/>
           </a:xfrm>
           <a:prstGeom prst="straightConnector1">
@@ -7822,7 +7611,7 @@
         </p:nvSpPr>
         <p:spPr>
           <a:xfrm>
-            <a:off x="7890470" y="3091362"/>
+            <a:off x="7828714" y="3571573"/>
             <a:ext cx="1423782" cy="184666"/>
           </a:xfrm>
           <a:prstGeom prst="rect">
@@ -7851,9 +7640,7 @@
             <a:r>
               <a:rPr lang="en-US" sz="1200" dirty="0" err="1">
                 <a:solidFill>
-                  <a:schemeClr val="accent4">
-                    <a:lumMod val="75000"/>
-                  </a:schemeClr>
+                  <a:schemeClr val="accent1"/>
                 </a:solidFill>
               </a:rPr>
               <a:t>getTempImage</a:t>
@@ -7861,12 +7648,11 @@
             <a:r>
               <a:rPr lang="en-US" sz="1200" dirty="0">
                 <a:solidFill>
-                  <a:srgbClr val="7030A0"/>
+                  <a:schemeClr val="accent1"/>
                 </a:solidFill>
               </a:rPr>
               <a:t>()</a:t>
             </a:r>
-            <a:endParaRPr lang="en-US" sz="1200" dirty="0"/>
           </a:p>
         </p:txBody>
       </p:sp>
@@ -7929,7 +7715,7 @@
         </p:nvSpPr>
         <p:spPr>
           <a:xfrm>
-            <a:off x="9547044" y="3314119"/>
+            <a:off x="9501101" y="3794829"/>
             <a:ext cx="209110" cy="253481"/>
           </a:xfrm>
           <a:prstGeom prst="rect">
@@ -7984,7 +7770,7 @@
         </p:nvCxnSpPr>
         <p:spPr>
           <a:xfrm>
-            <a:off x="7685141" y="3319876"/>
+            <a:off x="7639198" y="3800586"/>
             <a:ext cx="1895301" cy="0"/>
           </a:xfrm>
           <a:prstGeom prst="straightConnector1">
@@ -8028,7 +7814,7 @@
         </p:nvCxnSpPr>
         <p:spPr>
           <a:xfrm flipV="1">
-            <a:off x="7685141" y="3568974"/>
+            <a:off x="7639198" y="4049684"/>
             <a:ext cx="1966458" cy="16675"/>
           </a:xfrm>
           <a:prstGeom prst="straightConnector1">
@@ -8074,7 +7860,7 @@
         </p:nvCxnSpPr>
         <p:spPr>
           <a:xfrm>
-            <a:off x="7711676" y="4827875"/>
+            <a:off x="7665733" y="5308585"/>
             <a:ext cx="1803506" cy="0"/>
           </a:xfrm>
           <a:prstGeom prst="straightConnector1">
@@ -8116,7 +7902,7 @@
         </p:nvSpPr>
         <p:spPr>
           <a:xfrm>
-            <a:off x="7567954" y="4606378"/>
+            <a:off x="7522011" y="5087088"/>
             <a:ext cx="2177475" cy="184666"/>
           </a:xfrm>
           <a:prstGeom prst="rect">
@@ -8145,9 +7931,7 @@
             <a:r>
               <a:rPr lang="en-US" sz="1200" dirty="0" err="1">
                 <a:solidFill>
-                  <a:schemeClr val="accent4">
-                    <a:lumMod val="75000"/>
-                  </a:schemeClr>
+                  <a:schemeClr val="accent1"/>
                 </a:solidFill>
               </a:rPr>
               <a:t>displayTempImage</a:t>
@@ -8155,12 +7939,11 @@
             <a:r>
               <a:rPr lang="en-US" sz="1200" dirty="0">
                 <a:solidFill>
-                  <a:srgbClr val="7030A0"/>
+                  <a:schemeClr val="accent1"/>
                 </a:solidFill>
               </a:rPr>
               <a:t>()</a:t>
             </a:r>
-            <a:endParaRPr lang="en-US" sz="1200" dirty="0"/>
           </a:p>
         </p:txBody>
       </p:sp>
@@ -8180,7 +7963,7 @@
         </p:nvCxnSpPr>
         <p:spPr>
           <a:xfrm>
-            <a:off x="7676105" y="3860716"/>
+            <a:off x="7583667" y="4288937"/>
             <a:ext cx="1918399" cy="0"/>
           </a:xfrm>
           <a:prstGeom prst="straightConnector1">
@@ -8222,7 +8005,7 @@
         </p:nvSpPr>
         <p:spPr>
           <a:xfrm>
-            <a:off x="7818478" y="3623561"/>
+            <a:off x="7772535" y="4104271"/>
             <a:ext cx="1807888" cy="184666"/>
           </a:xfrm>
           <a:prstGeom prst="rect">
@@ -8251,9 +8034,7 @@
             <a:r>
               <a:rPr lang="en-US" sz="1200" dirty="0" err="1">
                 <a:solidFill>
-                  <a:schemeClr val="accent4">
-                    <a:lumMod val="75000"/>
-                  </a:schemeClr>
+                  <a:schemeClr val="accent1"/>
                 </a:solidFill>
               </a:rPr>
               <a:t>updateTempImage</a:t>
@@ -8261,12 +8042,11 @@
             <a:r>
               <a:rPr lang="en-US" sz="1200" dirty="0">
                 <a:solidFill>
-                  <a:srgbClr val="7030A0"/>
+                  <a:schemeClr val="accent1"/>
                 </a:solidFill>
               </a:rPr>
               <a:t>()</a:t>
             </a:r>
-            <a:endParaRPr lang="en-US" sz="1200" dirty="0"/>
           </a:p>
         </p:txBody>
       </p:sp>
@@ -8286,7 +8066,7 @@
         </p:nvCxnSpPr>
         <p:spPr>
           <a:xfrm>
-            <a:off x="7685141" y="4101519"/>
+            <a:off x="7653279" y="4495800"/>
             <a:ext cx="1971554" cy="0"/>
           </a:xfrm>
           <a:prstGeom prst="straightConnector1">
@@ -8330,7 +8110,7 @@
         </p:nvSpPr>
         <p:spPr>
           <a:xfrm>
-            <a:off x="9523932" y="3848038"/>
+            <a:off x="9492232" y="4281714"/>
             <a:ext cx="209110" cy="253481"/>
           </a:xfrm>
           <a:prstGeom prst="rect">
@@ -8383,7 +8163,7 @@
         </p:nvSpPr>
         <p:spPr>
           <a:xfrm>
-            <a:off x="9521818" y="4776827"/>
+            <a:off x="9475875" y="5257537"/>
             <a:ext cx="209110" cy="253481"/>
           </a:xfrm>
           <a:prstGeom prst="rect">
@@ -8436,7 +8216,7 @@
         </p:nvSpPr>
         <p:spPr>
           <a:xfrm>
-            <a:off x="9515182" y="4302572"/>
+            <a:off x="9469239" y="4783282"/>
             <a:ext cx="209110" cy="253481"/>
           </a:xfrm>
           <a:prstGeom prst="rect">
@@ -8489,7 +8269,7 @@
         </p:nvSpPr>
         <p:spPr>
           <a:xfrm>
-            <a:off x="7888416" y="4132125"/>
+            <a:off x="7842473" y="4612835"/>
             <a:ext cx="1346355" cy="184666"/>
           </a:xfrm>
           <a:prstGeom prst="rect">
@@ -8518,9 +8298,7 @@
             <a:r>
               <a:rPr lang="en-US" sz="1200" dirty="0" err="1">
                 <a:solidFill>
-                  <a:schemeClr val="accent4">
-                    <a:lumMod val="75000"/>
-                  </a:schemeClr>
+                  <a:schemeClr val="accent1"/>
                 </a:solidFill>
               </a:rPr>
               <a:t>addCommand</a:t>
@@ -8528,12 +8306,11 @@
             <a:r>
               <a:rPr lang="en-US" sz="1200" dirty="0">
                 <a:solidFill>
-                  <a:srgbClr val="7030A0"/>
+                  <a:schemeClr val="accent1"/>
                 </a:solidFill>
               </a:rPr>
               <a:t>()</a:t>
             </a:r>
-            <a:endParaRPr lang="en-US" sz="1200" dirty="0"/>
           </a:p>
         </p:txBody>
       </p:sp>
@@ -8553,7 +8330,7 @@
         </p:nvCxnSpPr>
         <p:spPr>
           <a:xfrm flipV="1">
-            <a:off x="7658572" y="4342322"/>
+            <a:off x="7612629" y="4823032"/>
             <a:ext cx="1866428" cy="7595"/>
           </a:xfrm>
           <a:prstGeom prst="straightConnector1">
@@ -8597,7 +8374,7 @@
         </p:nvCxnSpPr>
         <p:spPr>
           <a:xfrm>
-            <a:off x="7711676" y="4558902"/>
+            <a:off x="7665733" y="5039612"/>
             <a:ext cx="1844564" cy="0"/>
           </a:xfrm>
           <a:prstGeom prst="straightConnector1">
@@ -8641,7 +8418,7 @@
         </p:nvSpPr>
         <p:spPr>
           <a:xfrm>
-            <a:off x="5949084" y="4148337"/>
+            <a:off x="5903141" y="4629047"/>
             <a:ext cx="3951869" cy="995821"/>
           </a:xfrm>
           <a:prstGeom prst="rect">
@@ -8688,7 +8465,7 @@
         </p:nvSpPr>
         <p:spPr>
           <a:xfrm>
-            <a:off x="5971150" y="4165909"/>
+            <a:off x="5925207" y="4646619"/>
             <a:ext cx="442336" cy="261610"/>
           </a:xfrm>
           <a:prstGeom prst="rect">
@@ -8729,7 +8506,7 @@
         </p:nvSpPr>
         <p:spPr>
           <a:xfrm>
-            <a:off x="6237186" y="4195291"/>
+            <a:off x="6191243" y="4676001"/>
             <a:ext cx="1139777" cy="369332"/>
           </a:xfrm>
           <a:prstGeom prst="rect">
@@ -8782,8 +8559,210 @@
         </p:nvCxnSpPr>
         <p:spPr>
           <a:xfrm>
-            <a:off x="7702480" y="5030308"/>
+            <a:off x="7656537" y="5511018"/>
             <a:ext cx="1844564" cy="0"/>
+          </a:xfrm>
+          <a:prstGeom prst="straightConnector1">
+            <a:avLst/>
+          </a:prstGeom>
+          <a:ln w="19050">
+            <a:solidFill>
+              <a:srgbClr val="7030A0"/>
+            </a:solidFill>
+            <a:prstDash val="sysDash"/>
+            <a:headEnd type="arrow" w="med" len="med"/>
+            <a:tailEnd type="none" w="med" len="med"/>
+          </a:ln>
+        </p:spPr>
+        <p:style>
+          <a:lnRef idx="1">
+            <a:schemeClr val="accent1"/>
+          </a:lnRef>
+          <a:fillRef idx="0">
+            <a:schemeClr val="accent1"/>
+          </a:fillRef>
+          <a:effectRef idx="0">
+            <a:schemeClr val="accent1"/>
+          </a:effectRef>
+          <a:fontRef idx="minor">
+            <a:schemeClr val="tx1"/>
+          </a:fontRef>
+        </p:style>
+      </p:cxnSp>
+      <p:sp>
+        <p:nvSpPr>
+          <p:cNvPr id="88" name="Rectangle 87">
+            <a:extLst>
+              <a:ext uri="{FF2B5EF4-FFF2-40B4-BE49-F238E27FC236}">
+                <a16:creationId xmlns:a16="http://schemas.microsoft.com/office/drawing/2014/main" id="{BC829DBA-F44E-C647-9AC2-D16F090842B1}"/>
+              </a:ext>
+            </a:extLst>
+          </p:cNvPr>
+          <p:cNvSpPr/>
+          <p:nvPr/>
+        </p:nvSpPr>
+        <p:spPr>
+          <a:xfrm>
+            <a:off x="9526673" y="3312327"/>
+            <a:ext cx="209110" cy="253481"/>
+          </a:xfrm>
+          <a:prstGeom prst="rect">
+            <a:avLst/>
+          </a:prstGeom>
+          <a:solidFill>
+            <a:srgbClr val="7030A0"/>
+          </a:solidFill>
+          <a:ln>
+            <a:solidFill>
+              <a:srgbClr val="7030A0"/>
+            </a:solidFill>
+          </a:ln>
+          <a:effectLst/>
+        </p:spPr>
+        <p:style>
+          <a:lnRef idx="1">
+            <a:schemeClr val="accent3"/>
+          </a:lnRef>
+          <a:fillRef idx="2">
+            <a:schemeClr val="accent3"/>
+          </a:fillRef>
+          <a:effectRef idx="1">
+            <a:schemeClr val="accent3"/>
+          </a:effectRef>
+          <a:fontRef idx="minor">
+            <a:schemeClr val="dk1"/>
+          </a:fontRef>
+        </p:style>
+        <p:txBody>
+          <a:bodyPr rtlCol="0" anchor="ctr"/>
+          <a:lstStyle/>
+          <a:p>
+            <a:pPr algn="ctr"/>
+            <a:endParaRPr lang="en-SG" sz="1400"/>
+          </a:p>
+        </p:txBody>
+      </p:sp>
+      <p:cxnSp>
+        <p:nvCxnSpPr>
+          <p:cNvPr id="92" name="Straight Arrow Connector 91">
+            <a:extLst>
+              <a:ext uri="{FF2B5EF4-FFF2-40B4-BE49-F238E27FC236}">
+                <a16:creationId xmlns:a16="http://schemas.microsoft.com/office/drawing/2014/main" id="{CD135FC7-D410-4147-950F-87B6E16CBC99}"/>
+              </a:ext>
+            </a:extLst>
+          </p:cNvPr>
+          <p:cNvCxnSpPr>
+            <a:cxnSpLocks/>
+          </p:cNvCxnSpPr>
+          <p:nvPr/>
+        </p:nvCxnSpPr>
+        <p:spPr>
+          <a:xfrm>
+            <a:off x="7639197" y="3369639"/>
+            <a:ext cx="1895301" cy="0"/>
+          </a:xfrm>
+          <a:prstGeom prst="straightConnector1">
+            <a:avLst/>
+          </a:prstGeom>
+          <a:ln w="19050">
+            <a:solidFill>
+              <a:srgbClr val="0070C0"/>
+            </a:solidFill>
+            <a:tailEnd type="arrow"/>
+          </a:ln>
+        </p:spPr>
+        <p:style>
+          <a:lnRef idx="1">
+            <a:schemeClr val="accent1"/>
+          </a:lnRef>
+          <a:fillRef idx="0">
+            <a:schemeClr val="accent1"/>
+          </a:fillRef>
+          <a:effectRef idx="0">
+            <a:schemeClr val="accent1"/>
+          </a:effectRef>
+          <a:fontRef idx="minor">
+            <a:schemeClr val="tx1"/>
+          </a:fontRef>
+        </p:style>
+      </p:cxnSp>
+      <p:sp>
+        <p:nvSpPr>
+          <p:cNvPr id="94" name="TextBox 93">
+            <a:extLst>
+              <a:ext uri="{FF2B5EF4-FFF2-40B4-BE49-F238E27FC236}">
+                <a16:creationId xmlns:a16="http://schemas.microsoft.com/office/drawing/2014/main" id="{98799A43-E4C2-4E46-83D1-422956403ECA}"/>
+              </a:ext>
+            </a:extLst>
+          </p:cNvPr>
+          <p:cNvSpPr txBox="1"/>
+          <p:nvPr/>
+        </p:nvSpPr>
+        <p:spPr>
+          <a:xfrm>
+            <a:off x="7688783" y="3115224"/>
+            <a:ext cx="1828681" cy="184666"/>
+          </a:xfrm>
+          <a:prstGeom prst="rect">
+            <a:avLst/>
+          </a:prstGeom>
+          <a:noFill/>
+        </p:spPr>
+        <p:txBody>
+          <a:bodyPr wrap="square" lIns="0" tIns="0" rIns="0" bIns="0" rtlCol="0">
+            <a:spAutoFit/>
+          </a:bodyPr>
+          <a:lstStyle>
+            <a:defPPr>
+              <a:defRPr lang="en-US"/>
+            </a:defPPr>
+            <a:lvl1pPr algn="r">
+              <a:defRPr sz="1400">
+                <a:solidFill>
+                  <a:srgbClr val="0070C0"/>
+                </a:solidFill>
+              </a:defRPr>
+            </a:lvl1pPr>
+          </a:lstStyle>
+          <a:p>
+            <a:pPr algn="ctr"/>
+            <a:r>
+              <a:rPr lang="en-US" sz="1200" dirty="0" err="1">
+                <a:solidFill>
+                  <a:schemeClr val="accent1"/>
+                </a:solidFill>
+              </a:rPr>
+              <a:t>tempImageDoNotExist</a:t>
+            </a:r>
+            <a:r>
+              <a:rPr lang="en-US" sz="1200" dirty="0">
+                <a:solidFill>
+                  <a:schemeClr val="accent1"/>
+                </a:solidFill>
+              </a:rPr>
+              <a:t>()</a:t>
+            </a:r>
+          </a:p>
+        </p:txBody>
+      </p:sp>
+      <p:cxnSp>
+        <p:nvCxnSpPr>
+          <p:cNvPr id="95" name="Straight Arrow Connector 94">
+            <a:extLst>
+              <a:ext uri="{FF2B5EF4-FFF2-40B4-BE49-F238E27FC236}">
+                <a16:creationId xmlns:a16="http://schemas.microsoft.com/office/drawing/2014/main" id="{70BF5FFF-FDD1-2F4A-94F0-289AE3BE35D7}"/>
+              </a:ext>
+            </a:extLst>
+          </p:cNvPr>
+          <p:cNvCxnSpPr>
+            <a:cxnSpLocks/>
+          </p:cNvCxnSpPr>
+          <p:nvPr/>
+        </p:nvCxnSpPr>
+        <p:spPr>
+          <a:xfrm flipV="1">
+            <a:off x="7653279" y="3550507"/>
+            <a:ext cx="1966458" cy="16675"/>
           </a:xfrm>
           <a:prstGeom prst="straightConnector1">
             <a:avLst/>
